--- a/views/Web.pptx
+++ b/views/Web.pptx
@@ -331,7 +331,7 @@
             <a:fld id="{1D8BD707-D9CF-40AE-B4C6-C98DA3205C09}" type="datetimeFigureOut">
               <a:rPr lang="en-US" smtClean="0"/>
               <a:pPr/>
-              <a:t>12/25/2023</a:t>
+              <a:t>12/26/2023</a:t>
             </a:fld>
             <a:endParaRPr lang="en-US"/>
           </a:p>
@@ -496,7 +496,7 @@
             <a:fld id="{1D8BD707-D9CF-40AE-B4C6-C98DA3205C09}" type="datetimeFigureOut">
               <a:rPr lang="en-US" smtClean="0"/>
               <a:pPr/>
-              <a:t>12/25/2023</a:t>
+              <a:t>12/26/2023</a:t>
             </a:fld>
             <a:endParaRPr lang="en-US"/>
           </a:p>
@@ -671,7 +671,7 @@
             <a:fld id="{1D8BD707-D9CF-40AE-B4C6-C98DA3205C09}" type="datetimeFigureOut">
               <a:rPr lang="en-US" smtClean="0"/>
               <a:pPr/>
-              <a:t>12/25/2023</a:t>
+              <a:t>12/26/2023</a:t>
             </a:fld>
             <a:endParaRPr lang="en-US"/>
           </a:p>
@@ -836,7 +836,7 @@
             <a:fld id="{1D8BD707-D9CF-40AE-B4C6-C98DA3205C09}" type="datetimeFigureOut">
               <a:rPr lang="en-US" smtClean="0"/>
               <a:pPr/>
-              <a:t>12/25/2023</a:t>
+              <a:t>12/26/2023</a:t>
             </a:fld>
             <a:endParaRPr lang="en-US"/>
           </a:p>
@@ -1078,7 +1078,7 @@
             <a:fld id="{1D8BD707-D9CF-40AE-B4C6-C98DA3205C09}" type="datetimeFigureOut">
               <a:rPr lang="en-US" smtClean="0"/>
               <a:pPr/>
-              <a:t>12/25/2023</a:t>
+              <a:t>12/26/2023</a:t>
             </a:fld>
             <a:endParaRPr lang="en-US"/>
           </a:p>
@@ -1360,7 +1360,7 @@
             <a:fld id="{1D8BD707-D9CF-40AE-B4C6-C98DA3205C09}" type="datetimeFigureOut">
               <a:rPr lang="en-US" smtClean="0"/>
               <a:pPr/>
-              <a:t>12/25/2023</a:t>
+              <a:t>12/26/2023</a:t>
             </a:fld>
             <a:endParaRPr lang="en-US"/>
           </a:p>
@@ -1776,7 +1776,7 @@
             <a:fld id="{1D8BD707-D9CF-40AE-B4C6-C98DA3205C09}" type="datetimeFigureOut">
               <a:rPr lang="en-US" smtClean="0"/>
               <a:pPr/>
-              <a:t>12/25/2023</a:t>
+              <a:t>12/26/2023</a:t>
             </a:fld>
             <a:endParaRPr lang="en-US"/>
           </a:p>
@@ -1890,7 +1890,7 @@
             <a:fld id="{1D8BD707-D9CF-40AE-B4C6-C98DA3205C09}" type="datetimeFigureOut">
               <a:rPr lang="en-US" smtClean="0"/>
               <a:pPr/>
-              <a:t>12/25/2023</a:t>
+              <a:t>12/26/2023</a:t>
             </a:fld>
             <a:endParaRPr lang="en-US"/>
           </a:p>
@@ -1982,7 +1982,7 @@
             <a:fld id="{1D8BD707-D9CF-40AE-B4C6-C98DA3205C09}" type="datetimeFigureOut">
               <a:rPr lang="en-US" smtClean="0"/>
               <a:pPr/>
-              <a:t>12/25/2023</a:t>
+              <a:t>12/26/2023</a:t>
             </a:fld>
             <a:endParaRPr lang="en-US"/>
           </a:p>
@@ -2254,7 +2254,7 @@
             <a:fld id="{1D8BD707-D9CF-40AE-B4C6-C98DA3205C09}" type="datetimeFigureOut">
               <a:rPr lang="en-US" smtClean="0"/>
               <a:pPr/>
-              <a:t>12/25/2023</a:t>
+              <a:t>12/26/2023</a:t>
             </a:fld>
             <a:endParaRPr lang="en-US"/>
           </a:p>
@@ -2503,7 +2503,7 @@
             <a:fld id="{1D8BD707-D9CF-40AE-B4C6-C98DA3205C09}" type="datetimeFigureOut">
               <a:rPr lang="en-US" smtClean="0"/>
               <a:pPr/>
-              <a:t>12/25/2023</a:t>
+              <a:t>12/26/2023</a:t>
             </a:fld>
             <a:endParaRPr lang="en-US"/>
           </a:p>
@@ -2711,7 +2711,7 @@
             <a:fld id="{1D8BD707-D9CF-40AE-B4C6-C98DA3205C09}" type="datetimeFigureOut">
               <a:rPr lang="en-US" smtClean="0"/>
               <a:pPr/>
-              <a:t>12/25/2023</a:t>
+              <a:t>12/26/2023</a:t>
             </a:fld>
             <a:endParaRPr lang="en-US"/>
           </a:p>
@@ -6172,7 +6172,7 @@
                 </a:solidFill>
                 <a:latin typeface="DM Sans"/>
               </a:rPr>
-              <a:t>ODE.JS</a:t>
+              <a:t>NODE.JS</a:t>
             </a:r>
           </a:p>
           <a:p>
@@ -6184,7 +6184,7 @@
               <a:buChar char="•"/>
             </a:pPr>
             <a:r>
-              <a:rPr lang="en-US" sz="3102">
+              <a:rPr lang="en-US" sz="3102" dirty="0">
                 <a:solidFill>
                   <a:srgbClr val="000000"/>
                 </a:solidFill>
@@ -9281,6 +9281,42 @@
               </a:rPr>
               <a:t>棋盤,死活題,登入系統,網站部署</a:t>
             </a:r>
+          </a:p>
+        </p:txBody>
+      </p:sp>
+      <p:sp>
+        <p:nvSpPr>
+          <p:cNvPr id="27" name="TextBox 26">
+            <a:extLst>
+              <a:ext uri="{FF2B5EF4-FFF2-40B4-BE49-F238E27FC236}">
+                <a16:creationId xmlns:a16="http://schemas.microsoft.com/office/drawing/2014/main" id="{775869A9-E38A-4DD4-9A69-F603B07F9FAC}"/>
+              </a:ext>
+            </a:extLst>
+          </p:cNvPr>
+          <p:cNvSpPr txBox="1"/>
+          <p:nvPr/>
+        </p:nvSpPr>
+        <p:spPr>
+          <a:xfrm>
+            <a:off x="1479133" y="6223748"/>
+            <a:ext cx="10897736" cy="369332"/>
+          </a:xfrm>
+          <a:prstGeom prst="rect">
+            <a:avLst/>
+          </a:prstGeom>
+          <a:noFill/>
+        </p:spPr>
+        <p:txBody>
+          <a:bodyPr wrap="square">
+            <a:spAutoFit/>
+          </a:bodyPr>
+          <a:lstStyle/>
+          <a:p>
+            <a:r>
+              <a:rPr lang="en-US" altLang="zh-TW" dirty="0"/>
+              <a:t>https://github.com/kevin01157007/ourproject</a:t>
+            </a:r>
+            <a:endParaRPr lang="zh-TW" altLang="en-US" dirty="0"/>
           </a:p>
         </p:txBody>
       </p:sp>
